--- a/Documents/11 BoundingVolumeHierarchy.pptx
+++ b/Documents/11 BoundingVolumeHierarchy.pptx
@@ -269,7 +269,7 @@
           <a:p>
             <a:fld id="{9BEEDAE8-372D-4E5B-BC55-512BC2C23F36}" type="datetimeFigureOut">
               <a:rPr lang="ko-KR" altLang="en-US" smtClean="0"/>
-              <a:t>2025-11-05</a:t>
+              <a:t>2025-11-06</a:t>
             </a:fld>
             <a:endParaRPr lang="ko-KR" altLang="en-US"/>
           </a:p>
@@ -467,7 +467,7 @@
           <a:p>
             <a:fld id="{9BEEDAE8-372D-4E5B-BC55-512BC2C23F36}" type="datetimeFigureOut">
               <a:rPr lang="ko-KR" altLang="en-US" smtClean="0"/>
-              <a:t>2025-11-05</a:t>
+              <a:t>2025-11-06</a:t>
             </a:fld>
             <a:endParaRPr lang="ko-KR" altLang="en-US"/>
           </a:p>
@@ -675,7 +675,7 @@
           <a:p>
             <a:fld id="{9BEEDAE8-372D-4E5B-BC55-512BC2C23F36}" type="datetimeFigureOut">
               <a:rPr lang="ko-KR" altLang="en-US" smtClean="0"/>
-              <a:t>2025-11-05</a:t>
+              <a:t>2025-11-06</a:t>
             </a:fld>
             <a:endParaRPr lang="ko-KR" altLang="en-US"/>
           </a:p>
@@ -873,7 +873,7 @@
           <a:p>
             <a:fld id="{9BEEDAE8-372D-4E5B-BC55-512BC2C23F36}" type="datetimeFigureOut">
               <a:rPr lang="ko-KR" altLang="en-US" smtClean="0"/>
-              <a:t>2025-11-05</a:t>
+              <a:t>2025-11-06</a:t>
             </a:fld>
             <a:endParaRPr lang="ko-KR" altLang="en-US"/>
           </a:p>
@@ -1148,7 +1148,7 @@
           <a:p>
             <a:fld id="{9BEEDAE8-372D-4E5B-BC55-512BC2C23F36}" type="datetimeFigureOut">
               <a:rPr lang="ko-KR" altLang="en-US" smtClean="0"/>
-              <a:t>2025-11-05</a:t>
+              <a:t>2025-11-06</a:t>
             </a:fld>
             <a:endParaRPr lang="ko-KR" altLang="en-US"/>
           </a:p>
@@ -1413,7 +1413,7 @@
           <a:p>
             <a:fld id="{9BEEDAE8-372D-4E5B-BC55-512BC2C23F36}" type="datetimeFigureOut">
               <a:rPr lang="ko-KR" altLang="en-US" smtClean="0"/>
-              <a:t>2025-11-05</a:t>
+              <a:t>2025-11-06</a:t>
             </a:fld>
             <a:endParaRPr lang="ko-KR" altLang="en-US"/>
           </a:p>
@@ -1825,7 +1825,7 @@
           <a:p>
             <a:fld id="{9BEEDAE8-372D-4E5B-BC55-512BC2C23F36}" type="datetimeFigureOut">
               <a:rPr lang="ko-KR" altLang="en-US" smtClean="0"/>
-              <a:t>2025-11-05</a:t>
+              <a:t>2025-11-06</a:t>
             </a:fld>
             <a:endParaRPr lang="ko-KR" altLang="en-US"/>
           </a:p>
@@ -1966,7 +1966,7 @@
           <a:p>
             <a:fld id="{9BEEDAE8-372D-4E5B-BC55-512BC2C23F36}" type="datetimeFigureOut">
               <a:rPr lang="ko-KR" altLang="en-US" smtClean="0"/>
-              <a:t>2025-11-05</a:t>
+              <a:t>2025-11-06</a:t>
             </a:fld>
             <a:endParaRPr lang="ko-KR" altLang="en-US"/>
           </a:p>
@@ -2079,7 +2079,7 @@
           <a:p>
             <a:fld id="{9BEEDAE8-372D-4E5B-BC55-512BC2C23F36}" type="datetimeFigureOut">
               <a:rPr lang="ko-KR" altLang="en-US" smtClean="0"/>
-              <a:t>2025-11-05</a:t>
+              <a:t>2025-11-06</a:t>
             </a:fld>
             <a:endParaRPr lang="ko-KR" altLang="en-US"/>
           </a:p>
@@ -2390,7 +2390,7 @@
           <a:p>
             <a:fld id="{9BEEDAE8-372D-4E5B-BC55-512BC2C23F36}" type="datetimeFigureOut">
               <a:rPr lang="ko-KR" altLang="en-US" smtClean="0"/>
-              <a:t>2025-11-05</a:t>
+              <a:t>2025-11-06</a:t>
             </a:fld>
             <a:endParaRPr lang="ko-KR" altLang="en-US"/>
           </a:p>
@@ -2678,7 +2678,7 @@
           <a:p>
             <a:fld id="{9BEEDAE8-372D-4E5B-BC55-512BC2C23F36}" type="datetimeFigureOut">
               <a:rPr lang="ko-KR" altLang="en-US" smtClean="0"/>
-              <a:t>2025-11-05</a:t>
+              <a:t>2025-11-06</a:t>
             </a:fld>
             <a:endParaRPr lang="ko-KR" altLang="en-US"/>
           </a:p>
@@ -2919,7 +2919,7 @@
           <a:p>
             <a:fld id="{9BEEDAE8-372D-4E5B-BC55-512BC2C23F36}" type="datetimeFigureOut">
               <a:rPr lang="ko-KR" altLang="en-US" smtClean="0"/>
-              <a:t>2025-11-05</a:t>
+              <a:t>2025-11-06</a:t>
             </a:fld>
             <a:endParaRPr lang="ko-KR" altLang="en-US"/>
           </a:p>
@@ -3533,8 +3533,8 @@
             </a:prstGeom>
           </p:spPr>
         </p:pic>
-        <mc:AlternateContent xmlns:mc="http://schemas.openxmlformats.org/markup-compatibility/2006">
-          <mc:Choice xmlns:a14="http://schemas.microsoft.com/office/drawing/2010/main" Requires="a14">
+        <mc:AlternateContent xmlns:mc="http://schemas.openxmlformats.org/markup-compatibility/2006" xmlns:a14="http://schemas.microsoft.com/office/drawing/2010/main">
+          <mc:Choice Requires="a14">
             <p:sp>
               <p:nvSpPr>
                 <p:cNvPr id="5" name="TextBox 4">
@@ -3563,6 +3563,7 @@
                 </a:bodyPr>
                 <a:lstStyle/>
                 <a:p>
+                  <a:pPr/>
                   <a14:m>
                     <m:oMathPara xmlns:m="http://schemas.openxmlformats.org/officeDocument/2006/math">
                       <m:oMathParaPr>
@@ -3605,7 +3606,7 @@
               </p:txBody>
             </p:sp>
           </mc:Choice>
-          <mc:Fallback>
+          <mc:Fallback xmlns="">
             <p:sp>
               <p:nvSpPr>
                 <p:cNvPr id="5" name="TextBox 4">
@@ -3650,8 +3651,8 @@
             </p:sp>
           </mc:Fallback>
         </mc:AlternateContent>
-        <mc:AlternateContent xmlns:mc="http://schemas.openxmlformats.org/markup-compatibility/2006">
-          <mc:Choice xmlns:a14="http://schemas.microsoft.com/office/drawing/2010/main" Requires="a14">
+        <mc:AlternateContent xmlns:mc="http://schemas.openxmlformats.org/markup-compatibility/2006" xmlns:a14="http://schemas.microsoft.com/office/drawing/2010/main">
+          <mc:Choice Requires="a14">
             <p:sp>
               <p:nvSpPr>
                 <p:cNvPr id="6" name="TextBox 5">
@@ -3680,6 +3681,7 @@
                 </a:bodyPr>
                 <a:lstStyle/>
                 <a:p>
+                  <a:pPr/>
                   <a14:m>
                     <m:oMathPara xmlns:m="http://schemas.openxmlformats.org/officeDocument/2006/math">
                       <m:oMathParaPr>
@@ -3722,7 +3724,7 @@
               </p:txBody>
             </p:sp>
           </mc:Choice>
-          <mc:Fallback>
+          <mc:Fallback xmlns="">
             <p:sp>
               <p:nvSpPr>
                 <p:cNvPr id="6" name="TextBox 5">
@@ -3767,8 +3769,8 @@
             </p:sp>
           </mc:Fallback>
         </mc:AlternateContent>
-        <mc:AlternateContent xmlns:mc="http://schemas.openxmlformats.org/markup-compatibility/2006">
-          <mc:Choice xmlns:a14="http://schemas.microsoft.com/office/drawing/2010/main" Requires="a14">
+        <mc:AlternateContent xmlns:mc="http://schemas.openxmlformats.org/markup-compatibility/2006" xmlns:a14="http://schemas.microsoft.com/office/drawing/2010/main">
+          <mc:Choice Requires="a14">
             <p:sp>
               <p:nvSpPr>
                 <p:cNvPr id="7" name="TextBox 6">
@@ -3797,6 +3799,7 @@
                 </a:bodyPr>
                 <a:lstStyle/>
                 <a:p>
+                  <a:pPr/>
                   <a14:m>
                     <m:oMathPara xmlns:m="http://schemas.openxmlformats.org/officeDocument/2006/math">
                       <m:oMathParaPr>
@@ -3842,7 +3845,7 @@
               </p:txBody>
             </p:sp>
           </mc:Choice>
-          <mc:Fallback>
+          <mc:Fallback xmlns="">
             <p:sp>
               <p:nvSpPr>
                 <p:cNvPr id="7" name="TextBox 6">
@@ -3887,8 +3890,8 @@
             </p:sp>
           </mc:Fallback>
         </mc:AlternateContent>
-        <mc:AlternateContent xmlns:mc="http://schemas.openxmlformats.org/markup-compatibility/2006">
-          <mc:Choice xmlns:a14="http://schemas.microsoft.com/office/drawing/2010/main" Requires="a14">
+        <mc:AlternateContent xmlns:mc="http://schemas.openxmlformats.org/markup-compatibility/2006" xmlns:a14="http://schemas.microsoft.com/office/drawing/2010/main">
+          <mc:Choice Requires="a14">
             <p:sp>
               <p:nvSpPr>
                 <p:cNvPr id="8" name="TextBox 7">
@@ -3917,6 +3920,7 @@
                 </a:bodyPr>
                 <a:lstStyle/>
                 <a:p>
+                  <a:pPr/>
                   <a14:m>
                     <m:oMathPara xmlns:m="http://schemas.openxmlformats.org/officeDocument/2006/math">
                       <m:oMathParaPr>
@@ -3962,7 +3966,7 @@
               </p:txBody>
             </p:sp>
           </mc:Choice>
-          <mc:Fallback>
+          <mc:Fallback xmlns="">
             <p:sp>
               <p:nvSpPr>
                 <p:cNvPr id="8" name="TextBox 7">
@@ -4582,8 +4586,8 @@
           </a:p>
         </p:txBody>
       </p:sp>
-      <mc:AlternateContent xmlns:mc="http://schemas.openxmlformats.org/markup-compatibility/2006">
-        <mc:Choice xmlns:a14="http://schemas.microsoft.com/office/drawing/2010/main" Requires="a14">
+      <mc:AlternateContent xmlns:mc="http://schemas.openxmlformats.org/markup-compatibility/2006" xmlns:a14="http://schemas.microsoft.com/office/drawing/2010/main">
+        <mc:Choice Requires="a14">
           <p:sp>
             <p:nvSpPr>
               <p:cNvPr id="21" name="TextBox 20">
@@ -4959,7 +4963,7 @@
             </p:txBody>
           </p:sp>
         </mc:Choice>
-        <mc:Fallback>
+        <mc:Fallback xmlns="">
           <p:sp>
             <p:nvSpPr>
               <p:cNvPr id="21" name="TextBox 20">
@@ -5004,8 +5008,8 @@
           </p:sp>
         </mc:Fallback>
       </mc:AlternateContent>
-      <mc:AlternateContent xmlns:mc="http://schemas.openxmlformats.org/markup-compatibility/2006">
-        <mc:Choice xmlns:a14="http://schemas.microsoft.com/office/drawing/2010/main" Requires="a14">
+      <mc:AlternateContent xmlns:mc="http://schemas.openxmlformats.org/markup-compatibility/2006" xmlns:a14="http://schemas.microsoft.com/office/drawing/2010/main">
+        <mc:Choice Requires="a14">
           <p:graphicFrame>
             <p:nvGraphicFramePr>
               <p:cNvPr id="23" name="표 22">
@@ -5167,7 +5171,7 @@
                                 <m:sSub>
                                   <m:sSubPr>
                                     <m:ctrlPr>
-                                      <a:rPr lang="ar-AE" altLang="ko-KR" sz="1400">
+                                      <a:rPr lang="ar-AE" altLang="ko-KR" sz="1400" i="1">
                                         <a:latin typeface="Cambria Math" panose="02040503050406030204" pitchFamily="18" charset="0"/>
                                       </a:rPr>
                                     </m:ctrlPr>
@@ -5312,7 +5316,7 @@
                                 <m:sSub>
                                   <m:sSubPr>
                                     <m:ctrlPr>
-                                      <a:rPr lang="ar-AE" altLang="ko-KR" sz="1400">
+                                      <a:rPr lang="ar-AE" altLang="ko-KR" sz="1400" i="1">
                                         <a:latin typeface="Cambria Math" panose="02040503050406030204" pitchFamily="18" charset="0"/>
                                       </a:rPr>
                                     </m:ctrlPr>
@@ -5580,7 +5584,7 @@
                                 <m:sSub>
                                   <m:sSubPr>
                                     <m:ctrlPr>
-                                      <a:rPr lang="ar-AE" altLang="ko-KR" sz="1400">
+                                      <a:rPr lang="ar-AE" altLang="ko-KR" sz="1400" i="1">
                                         <a:latin typeface="Cambria Math" panose="02040503050406030204" pitchFamily="18" charset="0"/>
                                       </a:rPr>
                                     </m:ctrlPr>
@@ -5785,7 +5789,7 @@
                                 <m:sSub>
                                   <m:sSubPr>
                                     <m:ctrlPr>
-                                      <a:rPr lang="ar-AE" altLang="ko-KR" sz="1400">
+                                      <a:rPr lang="ar-AE" altLang="ko-KR" sz="1400" i="1">
                                         <a:latin typeface="Cambria Math" panose="02040503050406030204" pitchFamily="18" charset="0"/>
                                       </a:rPr>
                                     </m:ctrlPr>
@@ -5962,7 +5966,7 @@
                                 <m:sSub>
                                   <m:sSubPr>
                                     <m:ctrlPr>
-                                      <a:rPr lang="ar-AE" altLang="ko-KR" sz="1400">
+                                      <a:rPr lang="ar-AE" altLang="ko-KR" sz="1400" i="1">
                                         <a:latin typeface="Cambria Math" panose="02040503050406030204" pitchFamily="18" charset="0"/>
                                       </a:rPr>
                                     </m:ctrlPr>
@@ -6098,7 +6102,7 @@
             </a:graphic>
           </p:graphicFrame>
         </mc:Choice>
-        <mc:Fallback>
+        <mc:Fallback xmlns="">
           <p:graphicFrame>
             <p:nvGraphicFramePr>
               <p:cNvPr id="23" name="표 22">
@@ -6910,8 +6914,8 @@
           </p:graphicFrame>
         </mc:Fallback>
       </mc:AlternateContent>
-      <mc:AlternateContent xmlns:mc="http://schemas.openxmlformats.org/markup-compatibility/2006">
-        <mc:Choice xmlns:a14="http://schemas.microsoft.com/office/drawing/2010/main" Requires="a14">
+      <mc:AlternateContent xmlns:mc="http://schemas.openxmlformats.org/markup-compatibility/2006" xmlns:a14="http://schemas.microsoft.com/office/drawing/2010/main">
+        <mc:Choice Requires="a14">
           <p:sp>
             <p:nvSpPr>
               <p:cNvPr id="28" name="TextBox 27">
@@ -6964,64 +6968,86 @@
                     <m:sSub>
                       <m:sSubPr>
                         <m:ctrlPr>
-                          <a:rPr lang="ko-KR" altLang="en-US"/>
+                          <a:rPr lang="ko-KR" altLang="en-US" i="1">
+                            <a:latin typeface="Cambria Math" panose="02040503050406030204" pitchFamily="18" charset="0"/>
+                          </a:rPr>
                         </m:ctrlPr>
                       </m:sSubPr>
                       <m:e>
                         <m:r>
-                          <a:rPr lang="ko-KR" altLang="en-US" i="1"/>
+                          <a:rPr lang="ko-KR" altLang="en-US" i="1">
+                            <a:latin typeface="Cambria Math" panose="02040503050406030204" pitchFamily="18" charset="0"/>
+                          </a:rPr>
                           <m:t>𝐶</m:t>
                         </m:r>
                       </m:e>
                       <m:sub>
                         <m:r>
-                          <a:rPr lang="ko-KR" altLang="en-US" i="1"/>
+                          <a:rPr lang="ko-KR" altLang="en-US" i="1">
+                            <a:latin typeface="Cambria Math" panose="02040503050406030204" pitchFamily="18" charset="0"/>
+                          </a:rPr>
                           <m:t>𝑡</m:t>
                         </m:r>
                       </m:sub>
                     </m:sSub>
                     <m:r>
-                      <a:rPr lang="en-US" altLang="ko-KR"/>
+                      <a:rPr lang="en-US" altLang="ko-KR">
+                        <a:latin typeface="Cambria Math" panose="02040503050406030204" pitchFamily="18" charset="0"/>
+                      </a:rPr>
                       <m:t>,</m:t>
                     </m:r>
                     <m:sSub>
                       <m:sSubPr>
                         <m:ctrlPr>
-                          <a:rPr lang="ko-KR" altLang="en-US" i="1"/>
+                          <a:rPr lang="ko-KR" altLang="en-US" i="1">
+                            <a:latin typeface="Cambria Math" panose="02040503050406030204" pitchFamily="18" charset="0"/>
+                          </a:rPr>
                         </m:ctrlPr>
                       </m:sSubPr>
                       <m:e>
                         <m:r>
-                          <a:rPr lang="ko-KR" altLang="en-US" i="1"/>
+                          <a:rPr lang="ko-KR" altLang="en-US" i="1">
+                            <a:latin typeface="Cambria Math" panose="02040503050406030204" pitchFamily="18" charset="0"/>
+                          </a:rPr>
                           <m:t>𝐶</m:t>
                         </m:r>
                       </m:e>
                       <m:sub>
                         <m:r>
-                          <a:rPr lang="ko-KR" altLang="en-US" i="1"/>
+                          <a:rPr lang="ko-KR" altLang="en-US" i="1">
+                            <a:latin typeface="Cambria Math" panose="02040503050406030204" pitchFamily="18" charset="0"/>
+                          </a:rPr>
                           <m:t>𝑖</m:t>
                         </m:r>
                       </m:sub>
                     </m:sSub>
                     <m:r>
-                      <a:rPr lang="en-US" altLang="ko-KR"/>
+                      <a:rPr lang="en-US" altLang="ko-KR">
+                        <a:latin typeface="Cambria Math" panose="02040503050406030204" pitchFamily="18" charset="0"/>
+                      </a:rPr>
                       <m:t>,</m:t>
                     </m:r>
                     <m:sSub>
                       <m:sSubPr>
                         <m:ctrlPr>
-                          <a:rPr lang="ko-KR" altLang="en-US" i="1"/>
+                          <a:rPr lang="ko-KR" altLang="en-US" i="1">
+                            <a:latin typeface="Cambria Math" panose="02040503050406030204" pitchFamily="18" charset="0"/>
+                          </a:rPr>
                         </m:ctrlPr>
                       </m:sSubPr>
                       <m:e>
                         <m:r>
-                          <a:rPr lang="ko-KR" altLang="en-US" i="1"/>
+                          <a:rPr lang="ko-KR" altLang="en-US" i="1">
+                            <a:latin typeface="Cambria Math" panose="02040503050406030204" pitchFamily="18" charset="0"/>
+                          </a:rPr>
                           <m:t>𝑆</m:t>
                         </m:r>
                       </m:e>
                       <m:sub>
                         <m:r>
-                          <a:rPr lang="ko-KR" altLang="en-US" i="1"/>
+                          <a:rPr lang="ko-KR" altLang="en-US" i="1">
+                            <a:latin typeface="Cambria Math" panose="02040503050406030204" pitchFamily="18" charset="0"/>
+                          </a:rPr>
                           <m:t>𝑃</m:t>
                         </m:r>
                       </m:sub>
@@ -7245,7 +7271,7 @@
             </p:txBody>
           </p:sp>
         </mc:Choice>
-        <mc:Fallback>
+        <mc:Fallback xmlns="">
           <p:sp>
             <p:nvSpPr>
               <p:cNvPr id="28" name="TextBox 27">
@@ -7486,7 +7512,7 @@
         <p:spPr>
           <a:xfrm>
             <a:off x="534075" y="1690688"/>
-            <a:ext cx="8774774" cy="1200329"/>
+            <a:ext cx="8774774" cy="1754326"/>
           </a:xfrm>
           <a:prstGeom prst="rect">
             <a:avLst/>
@@ -7614,6 +7640,36 @@
               <a:rPr lang="en-US" altLang="ko-KR" dirty="0"/>
               <a:t> </a:t>
             </a:r>
+          </a:p>
+          <a:p>
+            <a:endParaRPr lang="en-US" altLang="ko-KR" dirty="0"/>
+          </a:p>
+          <a:p>
+            <a:r>
+              <a:rPr lang="en-US" altLang="ko-KR" dirty="0"/>
+              <a:t>#include &lt;</a:t>
+            </a:r>
+            <a:r>
+              <a:rPr lang="en-US" altLang="ko-KR" dirty="0" err="1"/>
+              <a:t>DirectXCollision.h</a:t>
+            </a:r>
+            <a:r>
+              <a:rPr lang="en-US" altLang="ko-KR" dirty="0"/>
+              <a:t>&gt; </a:t>
+            </a:r>
+            <a:r>
+              <a:rPr lang="en-US" altLang="ko-KR" dirty="0" err="1"/>
+              <a:t>AABB,Frustum</a:t>
+            </a:r>
+            <a:r>
+              <a:rPr lang="ko-KR" altLang="en-US" dirty="0"/>
+              <a:t> 클래스 사용합니다</a:t>
+            </a:r>
+            <a:r>
+              <a:rPr lang="en-US" altLang="ko-KR"/>
+              <a:t>.</a:t>
+            </a:r>
+            <a:endParaRPr lang="en-US" altLang="ko-KR" dirty="0"/>
           </a:p>
         </p:txBody>
       </p:sp>
@@ -14231,8 +14287,8 @@
             </a:prstGeom>
           </p:spPr>
         </p:pic>
-        <mc:AlternateContent xmlns:mc="http://schemas.openxmlformats.org/markup-compatibility/2006">
-          <mc:Choice xmlns:a14="http://schemas.microsoft.com/office/drawing/2010/main" Requires="a14">
+        <mc:AlternateContent xmlns:mc="http://schemas.openxmlformats.org/markup-compatibility/2006" xmlns:a14="http://schemas.microsoft.com/office/drawing/2010/main">
+          <mc:Choice Requires="a14">
             <p:sp>
               <p:nvSpPr>
                 <p:cNvPr id="22" name="TextBox 21">
@@ -14261,6 +14317,7 @@
                 </a:bodyPr>
                 <a:lstStyle/>
                 <a:p>
+                  <a:pPr/>
                   <a14:m>
                     <m:oMathPara xmlns:m="http://schemas.openxmlformats.org/officeDocument/2006/math">
                       <m:oMathParaPr>
@@ -14303,7 +14360,7 @@
               </p:txBody>
             </p:sp>
           </mc:Choice>
-          <mc:Fallback>
+          <mc:Fallback xmlns="">
             <p:sp>
               <p:nvSpPr>
                 <p:cNvPr id="22" name="TextBox 21">
@@ -14348,8 +14405,8 @@
             </p:sp>
           </mc:Fallback>
         </mc:AlternateContent>
-        <mc:AlternateContent xmlns:mc="http://schemas.openxmlformats.org/markup-compatibility/2006">
-          <mc:Choice xmlns:a14="http://schemas.microsoft.com/office/drawing/2010/main" Requires="a14">
+        <mc:AlternateContent xmlns:mc="http://schemas.openxmlformats.org/markup-compatibility/2006" xmlns:a14="http://schemas.microsoft.com/office/drawing/2010/main">
+          <mc:Choice Requires="a14">
             <p:sp>
               <p:nvSpPr>
                 <p:cNvPr id="23" name="TextBox 22">
@@ -14378,6 +14435,7 @@
                 </a:bodyPr>
                 <a:lstStyle/>
                 <a:p>
+                  <a:pPr/>
                   <a14:m>
                     <m:oMathPara xmlns:m="http://schemas.openxmlformats.org/officeDocument/2006/math">
                       <m:oMathParaPr>
@@ -14420,7 +14478,7 @@
               </p:txBody>
             </p:sp>
           </mc:Choice>
-          <mc:Fallback>
+          <mc:Fallback xmlns="">
             <p:sp>
               <p:nvSpPr>
                 <p:cNvPr id="23" name="TextBox 22">
@@ -14465,8 +14523,8 @@
             </p:sp>
           </mc:Fallback>
         </mc:AlternateContent>
-        <mc:AlternateContent xmlns:mc="http://schemas.openxmlformats.org/markup-compatibility/2006">
-          <mc:Choice xmlns:a14="http://schemas.microsoft.com/office/drawing/2010/main" Requires="a14">
+        <mc:AlternateContent xmlns:mc="http://schemas.openxmlformats.org/markup-compatibility/2006" xmlns:a14="http://schemas.microsoft.com/office/drawing/2010/main">
+          <mc:Choice Requires="a14">
             <p:sp>
               <p:nvSpPr>
                 <p:cNvPr id="24" name="TextBox 23">
@@ -14495,6 +14553,7 @@
                 </a:bodyPr>
                 <a:lstStyle/>
                 <a:p>
+                  <a:pPr/>
                   <a14:m>
                     <m:oMathPara xmlns:m="http://schemas.openxmlformats.org/officeDocument/2006/math">
                       <m:oMathParaPr>
@@ -14540,7 +14599,7 @@
               </p:txBody>
             </p:sp>
           </mc:Choice>
-          <mc:Fallback>
+          <mc:Fallback xmlns="">
             <p:sp>
               <p:nvSpPr>
                 <p:cNvPr id="24" name="TextBox 23">
@@ -14585,8 +14644,8 @@
             </p:sp>
           </mc:Fallback>
         </mc:AlternateContent>
-        <mc:AlternateContent xmlns:mc="http://schemas.openxmlformats.org/markup-compatibility/2006">
-          <mc:Choice xmlns:a14="http://schemas.microsoft.com/office/drawing/2010/main" Requires="a14">
+        <mc:AlternateContent xmlns:mc="http://schemas.openxmlformats.org/markup-compatibility/2006" xmlns:a14="http://schemas.microsoft.com/office/drawing/2010/main">
+          <mc:Choice Requires="a14">
             <p:sp>
               <p:nvSpPr>
                 <p:cNvPr id="25" name="TextBox 24">
@@ -14615,6 +14674,7 @@
                 </a:bodyPr>
                 <a:lstStyle/>
                 <a:p>
+                  <a:pPr/>
                   <a14:m>
                     <m:oMathPara xmlns:m="http://schemas.openxmlformats.org/officeDocument/2006/math">
                       <m:oMathParaPr>
@@ -14660,7 +14720,7 @@
               </p:txBody>
             </p:sp>
           </mc:Choice>
-          <mc:Fallback>
+          <mc:Fallback xmlns="">
             <p:sp>
               <p:nvSpPr>
                 <p:cNvPr id="25" name="TextBox 24">
@@ -15342,8 +15402,8 @@
             </a:prstGeom>
           </p:spPr>
         </p:pic>
-        <mc:AlternateContent xmlns:mc="http://schemas.openxmlformats.org/markup-compatibility/2006">
-          <mc:Choice xmlns:a14="http://schemas.microsoft.com/office/drawing/2010/main" Requires="a14">
+        <mc:AlternateContent xmlns:mc="http://schemas.openxmlformats.org/markup-compatibility/2006" xmlns:a14="http://schemas.microsoft.com/office/drawing/2010/main">
+          <mc:Choice Requires="a14">
             <p:sp>
               <p:nvSpPr>
                 <p:cNvPr id="9" name="TextBox 8">
@@ -15372,6 +15432,7 @@
                 </a:bodyPr>
                 <a:lstStyle/>
                 <a:p>
+                  <a:pPr/>
                   <a14:m>
                     <m:oMathPara xmlns:m="http://schemas.openxmlformats.org/officeDocument/2006/math">
                       <m:oMathParaPr>
@@ -15414,7 +15475,7 @@
               </p:txBody>
             </p:sp>
           </mc:Choice>
-          <mc:Fallback>
+          <mc:Fallback xmlns="">
             <p:sp>
               <p:nvSpPr>
                 <p:cNvPr id="9" name="TextBox 8">
@@ -15459,8 +15520,8 @@
             </p:sp>
           </mc:Fallback>
         </mc:AlternateContent>
-        <mc:AlternateContent xmlns:mc="http://schemas.openxmlformats.org/markup-compatibility/2006">
-          <mc:Choice xmlns:a14="http://schemas.microsoft.com/office/drawing/2010/main" Requires="a14">
+        <mc:AlternateContent xmlns:mc="http://schemas.openxmlformats.org/markup-compatibility/2006" xmlns:a14="http://schemas.microsoft.com/office/drawing/2010/main">
+          <mc:Choice Requires="a14">
             <p:sp>
               <p:nvSpPr>
                 <p:cNvPr id="10" name="TextBox 9">
@@ -15489,6 +15550,7 @@
                 </a:bodyPr>
                 <a:lstStyle/>
                 <a:p>
+                  <a:pPr/>
                   <a14:m>
                     <m:oMathPara xmlns:m="http://schemas.openxmlformats.org/officeDocument/2006/math">
                       <m:oMathParaPr>
@@ -15531,7 +15593,7 @@
               </p:txBody>
             </p:sp>
           </mc:Choice>
-          <mc:Fallback>
+          <mc:Fallback xmlns="">
             <p:sp>
               <p:nvSpPr>
                 <p:cNvPr id="10" name="TextBox 9">
@@ -15576,8 +15638,8 @@
             </p:sp>
           </mc:Fallback>
         </mc:AlternateContent>
-        <mc:AlternateContent xmlns:mc="http://schemas.openxmlformats.org/markup-compatibility/2006">
-          <mc:Choice xmlns:a14="http://schemas.microsoft.com/office/drawing/2010/main" Requires="a14">
+        <mc:AlternateContent xmlns:mc="http://schemas.openxmlformats.org/markup-compatibility/2006" xmlns:a14="http://schemas.microsoft.com/office/drawing/2010/main">
+          <mc:Choice Requires="a14">
             <p:sp>
               <p:nvSpPr>
                 <p:cNvPr id="11" name="TextBox 10">
@@ -15606,6 +15668,7 @@
                 </a:bodyPr>
                 <a:lstStyle/>
                 <a:p>
+                  <a:pPr/>
                   <a14:m>
                     <m:oMathPara xmlns:m="http://schemas.openxmlformats.org/officeDocument/2006/math">
                       <m:oMathParaPr>
@@ -15651,7 +15714,7 @@
               </p:txBody>
             </p:sp>
           </mc:Choice>
-          <mc:Fallback>
+          <mc:Fallback xmlns="">
             <p:sp>
               <p:nvSpPr>
                 <p:cNvPr id="11" name="TextBox 10">
@@ -15696,8 +15759,8 @@
             </p:sp>
           </mc:Fallback>
         </mc:AlternateContent>
-        <mc:AlternateContent xmlns:mc="http://schemas.openxmlformats.org/markup-compatibility/2006">
-          <mc:Choice xmlns:a14="http://schemas.microsoft.com/office/drawing/2010/main" Requires="a14">
+        <mc:AlternateContent xmlns:mc="http://schemas.openxmlformats.org/markup-compatibility/2006" xmlns:a14="http://schemas.microsoft.com/office/drawing/2010/main">
+          <mc:Choice Requires="a14">
             <p:sp>
               <p:nvSpPr>
                 <p:cNvPr id="12" name="TextBox 11">
@@ -15726,6 +15789,7 @@
                 </a:bodyPr>
                 <a:lstStyle/>
                 <a:p>
+                  <a:pPr/>
                   <a14:m>
                     <m:oMathPara xmlns:m="http://schemas.openxmlformats.org/officeDocument/2006/math">
                       <m:oMathParaPr>
@@ -15771,7 +15835,7 @@
               </p:txBody>
             </p:sp>
           </mc:Choice>
-          <mc:Fallback>
+          <mc:Fallback xmlns="">
             <p:sp>
               <p:nvSpPr>
                 <p:cNvPr id="12" name="TextBox 11">
@@ -17793,8 +17857,8 @@
             </a:prstGeom>
           </p:spPr>
         </p:pic>
-        <mc:AlternateContent xmlns:mc="http://schemas.openxmlformats.org/markup-compatibility/2006">
-          <mc:Choice xmlns:a14="http://schemas.microsoft.com/office/drawing/2010/main" Requires="a14">
+        <mc:AlternateContent xmlns:mc="http://schemas.openxmlformats.org/markup-compatibility/2006" xmlns:a14="http://schemas.microsoft.com/office/drawing/2010/main">
+          <mc:Choice Requires="a14">
             <p:sp>
               <p:nvSpPr>
                 <p:cNvPr id="5" name="TextBox 4">
@@ -17823,6 +17887,7 @@
                 </a:bodyPr>
                 <a:lstStyle/>
                 <a:p>
+                  <a:pPr/>
                   <a14:m>
                     <m:oMathPara xmlns:m="http://schemas.openxmlformats.org/officeDocument/2006/math">
                       <m:oMathParaPr>
@@ -17865,7 +17930,7 @@
               </p:txBody>
             </p:sp>
           </mc:Choice>
-          <mc:Fallback>
+          <mc:Fallback xmlns="">
             <p:sp>
               <p:nvSpPr>
                 <p:cNvPr id="5" name="TextBox 4">
@@ -17910,8 +17975,8 @@
             </p:sp>
           </mc:Fallback>
         </mc:AlternateContent>
-        <mc:AlternateContent xmlns:mc="http://schemas.openxmlformats.org/markup-compatibility/2006">
-          <mc:Choice xmlns:a14="http://schemas.microsoft.com/office/drawing/2010/main" Requires="a14">
+        <mc:AlternateContent xmlns:mc="http://schemas.openxmlformats.org/markup-compatibility/2006" xmlns:a14="http://schemas.microsoft.com/office/drawing/2010/main">
+          <mc:Choice Requires="a14">
             <p:sp>
               <p:nvSpPr>
                 <p:cNvPr id="6" name="TextBox 5">
@@ -17940,6 +18005,7 @@
                 </a:bodyPr>
                 <a:lstStyle/>
                 <a:p>
+                  <a:pPr/>
                   <a14:m>
                     <m:oMathPara xmlns:m="http://schemas.openxmlformats.org/officeDocument/2006/math">
                       <m:oMathParaPr>
@@ -17982,7 +18048,7 @@
               </p:txBody>
             </p:sp>
           </mc:Choice>
-          <mc:Fallback>
+          <mc:Fallback xmlns="">
             <p:sp>
               <p:nvSpPr>
                 <p:cNvPr id="6" name="TextBox 5">
@@ -18027,8 +18093,8 @@
             </p:sp>
           </mc:Fallback>
         </mc:AlternateContent>
-        <mc:AlternateContent xmlns:mc="http://schemas.openxmlformats.org/markup-compatibility/2006">
-          <mc:Choice xmlns:a14="http://schemas.microsoft.com/office/drawing/2010/main" Requires="a14">
+        <mc:AlternateContent xmlns:mc="http://schemas.openxmlformats.org/markup-compatibility/2006" xmlns:a14="http://schemas.microsoft.com/office/drawing/2010/main">
+          <mc:Choice Requires="a14">
             <p:sp>
               <p:nvSpPr>
                 <p:cNvPr id="7" name="TextBox 6">
@@ -18057,6 +18123,7 @@
                 </a:bodyPr>
                 <a:lstStyle/>
                 <a:p>
+                  <a:pPr/>
                   <a14:m>
                     <m:oMathPara xmlns:m="http://schemas.openxmlformats.org/officeDocument/2006/math">
                       <m:oMathParaPr>
@@ -18102,7 +18169,7 @@
               </p:txBody>
             </p:sp>
           </mc:Choice>
-          <mc:Fallback>
+          <mc:Fallback xmlns="">
             <p:sp>
               <p:nvSpPr>
                 <p:cNvPr id="7" name="TextBox 6">
@@ -18147,8 +18214,8 @@
             </p:sp>
           </mc:Fallback>
         </mc:AlternateContent>
-        <mc:AlternateContent xmlns:mc="http://schemas.openxmlformats.org/markup-compatibility/2006">
-          <mc:Choice xmlns:a14="http://schemas.microsoft.com/office/drawing/2010/main" Requires="a14">
+        <mc:AlternateContent xmlns:mc="http://schemas.openxmlformats.org/markup-compatibility/2006" xmlns:a14="http://schemas.microsoft.com/office/drawing/2010/main">
+          <mc:Choice Requires="a14">
             <p:sp>
               <p:nvSpPr>
                 <p:cNvPr id="8" name="TextBox 7">
@@ -18177,6 +18244,7 @@
                 </a:bodyPr>
                 <a:lstStyle/>
                 <a:p>
+                  <a:pPr/>
                   <a14:m>
                     <m:oMathPara xmlns:m="http://schemas.openxmlformats.org/officeDocument/2006/math">
                       <m:oMathParaPr>
@@ -18222,7 +18290,7 @@
               </p:txBody>
             </p:sp>
           </mc:Choice>
-          <mc:Fallback>
+          <mc:Fallback xmlns="">
             <p:sp>
               <p:nvSpPr>
                 <p:cNvPr id="8" name="TextBox 7">

--- a/Documents/11 BoundingVolumeHierarchy.pptx
+++ b/Documents/11 BoundingVolumeHierarchy.pptx
@@ -270,7 +270,7 @@
           <a:p>
             <a:fld id="{9BEEDAE8-372D-4E5B-BC55-512BC2C23F36}" type="datetimeFigureOut">
               <a:rPr lang="ko-KR" altLang="en-US" smtClean="0"/>
-              <a:t>2025-11-06</a:t>
+              <a:t>2025-11-07</a:t>
             </a:fld>
             <a:endParaRPr lang="ko-KR" altLang="en-US"/>
           </a:p>
@@ -468,7 +468,7 @@
           <a:p>
             <a:fld id="{9BEEDAE8-372D-4E5B-BC55-512BC2C23F36}" type="datetimeFigureOut">
               <a:rPr lang="ko-KR" altLang="en-US" smtClean="0"/>
-              <a:t>2025-11-06</a:t>
+              <a:t>2025-11-07</a:t>
             </a:fld>
             <a:endParaRPr lang="ko-KR" altLang="en-US"/>
           </a:p>
@@ -676,7 +676,7 @@
           <a:p>
             <a:fld id="{9BEEDAE8-372D-4E5B-BC55-512BC2C23F36}" type="datetimeFigureOut">
               <a:rPr lang="ko-KR" altLang="en-US" smtClean="0"/>
-              <a:t>2025-11-06</a:t>
+              <a:t>2025-11-07</a:t>
             </a:fld>
             <a:endParaRPr lang="ko-KR" altLang="en-US"/>
           </a:p>
@@ -874,7 +874,7 @@
           <a:p>
             <a:fld id="{9BEEDAE8-372D-4E5B-BC55-512BC2C23F36}" type="datetimeFigureOut">
               <a:rPr lang="ko-KR" altLang="en-US" smtClean="0"/>
-              <a:t>2025-11-06</a:t>
+              <a:t>2025-11-07</a:t>
             </a:fld>
             <a:endParaRPr lang="ko-KR" altLang="en-US"/>
           </a:p>
@@ -1149,7 +1149,7 @@
           <a:p>
             <a:fld id="{9BEEDAE8-372D-4E5B-BC55-512BC2C23F36}" type="datetimeFigureOut">
               <a:rPr lang="ko-KR" altLang="en-US" smtClean="0"/>
-              <a:t>2025-11-06</a:t>
+              <a:t>2025-11-07</a:t>
             </a:fld>
             <a:endParaRPr lang="ko-KR" altLang="en-US"/>
           </a:p>
@@ -1414,7 +1414,7 @@
           <a:p>
             <a:fld id="{9BEEDAE8-372D-4E5B-BC55-512BC2C23F36}" type="datetimeFigureOut">
               <a:rPr lang="ko-KR" altLang="en-US" smtClean="0"/>
-              <a:t>2025-11-06</a:t>
+              <a:t>2025-11-07</a:t>
             </a:fld>
             <a:endParaRPr lang="ko-KR" altLang="en-US"/>
           </a:p>
@@ -1826,7 +1826,7 @@
           <a:p>
             <a:fld id="{9BEEDAE8-372D-4E5B-BC55-512BC2C23F36}" type="datetimeFigureOut">
               <a:rPr lang="ko-KR" altLang="en-US" smtClean="0"/>
-              <a:t>2025-11-06</a:t>
+              <a:t>2025-11-07</a:t>
             </a:fld>
             <a:endParaRPr lang="ko-KR" altLang="en-US"/>
           </a:p>
@@ -1967,7 +1967,7 @@
           <a:p>
             <a:fld id="{9BEEDAE8-372D-4E5B-BC55-512BC2C23F36}" type="datetimeFigureOut">
               <a:rPr lang="ko-KR" altLang="en-US" smtClean="0"/>
-              <a:t>2025-11-06</a:t>
+              <a:t>2025-11-07</a:t>
             </a:fld>
             <a:endParaRPr lang="ko-KR" altLang="en-US"/>
           </a:p>
@@ -2080,7 +2080,7 @@
           <a:p>
             <a:fld id="{9BEEDAE8-372D-4E5B-BC55-512BC2C23F36}" type="datetimeFigureOut">
               <a:rPr lang="ko-KR" altLang="en-US" smtClean="0"/>
-              <a:t>2025-11-06</a:t>
+              <a:t>2025-11-07</a:t>
             </a:fld>
             <a:endParaRPr lang="ko-KR" altLang="en-US"/>
           </a:p>
@@ -2391,7 +2391,7 @@
           <a:p>
             <a:fld id="{9BEEDAE8-372D-4E5B-BC55-512BC2C23F36}" type="datetimeFigureOut">
               <a:rPr lang="ko-KR" altLang="en-US" smtClean="0"/>
-              <a:t>2025-11-06</a:t>
+              <a:t>2025-11-07</a:t>
             </a:fld>
             <a:endParaRPr lang="ko-KR" altLang="en-US"/>
           </a:p>
@@ -2679,7 +2679,7 @@
           <a:p>
             <a:fld id="{9BEEDAE8-372D-4E5B-BC55-512BC2C23F36}" type="datetimeFigureOut">
               <a:rPr lang="ko-KR" altLang="en-US" smtClean="0"/>
-              <a:t>2025-11-06</a:t>
+              <a:t>2025-11-07</a:t>
             </a:fld>
             <a:endParaRPr lang="ko-KR" altLang="en-US"/>
           </a:p>
@@ -2920,7 +2920,7 @@
           <a:p>
             <a:fld id="{9BEEDAE8-372D-4E5B-BC55-512BC2C23F36}" type="datetimeFigureOut">
               <a:rPr lang="ko-KR" altLang="en-US" smtClean="0"/>
-              <a:t>2025-11-06</a:t>
+              <a:t>2025-11-07</a:t>
             </a:fld>
             <a:endParaRPr lang="ko-KR" altLang="en-US"/>
           </a:p>
@@ -5868,8 +5868,8 @@
         </p:nvCxnSpPr>
         <p:spPr>
           <a:xfrm flipV="1">
-            <a:off x="2297379" y="3754063"/>
-            <a:ext cx="0" cy="906920"/>
+            <a:off x="2192279" y="3584028"/>
+            <a:ext cx="4383" cy="1076955"/>
           </a:xfrm>
           <a:prstGeom prst="line">
             <a:avLst/>
@@ -14355,8 +14355,8 @@
           </a:p>
         </p:txBody>
       </p:sp>
-      <mc:AlternateContent xmlns:mc="http://schemas.openxmlformats.org/markup-compatibility/2006">
-        <mc:Choice xmlns:a14="http://schemas.microsoft.com/office/drawing/2010/main" Requires="a14">
+      <mc:AlternateContent xmlns:mc="http://schemas.openxmlformats.org/markup-compatibility/2006" xmlns:a14="http://schemas.microsoft.com/office/drawing/2010/main">
+        <mc:Choice Requires="a14">
           <p:sp>
             <p:nvSpPr>
               <p:cNvPr id="50" name="TextBox 49">
@@ -14468,11 +14468,15 @@
                 <a14:m>
                   <m:oMath xmlns:m="http://schemas.openxmlformats.org/officeDocument/2006/math">
                     <m:r>
-                      <a:rPr lang="ko-KR" altLang="en-US" sz="1200" i="1"/>
+                      <a:rPr lang="ko-KR" altLang="en-US" sz="1200" i="1">
+                        <a:latin typeface="Cambria Math" panose="02040503050406030204" pitchFamily="18" charset="0"/>
+                      </a:rPr>
                       <m:t>𝐾</m:t>
                     </m:r>
                     <m:r>
-                      <a:rPr lang="en-US" altLang="ko-KR" sz="1200"/>
+                      <a:rPr lang="en-US" altLang="ko-KR" sz="1200">
+                        <a:latin typeface="Cambria Math" panose="02040503050406030204" pitchFamily="18" charset="0"/>
+                      </a:rPr>
                       <m:t>=</m:t>
                     </m:r>
                     <m:d>
@@ -14480,25 +14484,33 @@
                         <m:begChr m:val="⌈"/>
                         <m:endChr m:val="⌉"/>
                         <m:ctrlPr>
-                          <a:rPr lang="ko-KR" altLang="en-US" sz="1200" i="1"/>
+                          <a:rPr lang="ko-KR" altLang="en-US" sz="1200" i="1">
+                            <a:latin typeface="Cambria Math" panose="02040503050406030204" pitchFamily="18" charset="0"/>
+                          </a:rPr>
                         </m:ctrlPr>
                       </m:dPr>
                       <m:e>
                         <m:f>
                           <m:fPr>
                             <m:ctrlPr>
-                              <a:rPr lang="ko-KR" altLang="en-US" sz="1200" i="1"/>
+                              <a:rPr lang="ko-KR" altLang="en-US" sz="1200" i="1">
+                                <a:latin typeface="Cambria Math" panose="02040503050406030204" pitchFamily="18" charset="0"/>
+                              </a:rPr>
                             </m:ctrlPr>
                           </m:fPr>
                           <m:num>
                             <m:r>
-                              <a:rPr lang="ko-KR" altLang="en-US" sz="1200" i="1"/>
+                              <a:rPr lang="ko-KR" altLang="en-US" sz="1200" i="1">
+                                <a:latin typeface="Cambria Math" panose="02040503050406030204" pitchFamily="18" charset="0"/>
+                              </a:rPr>
                               <m:t>𝑁</m:t>
                             </m:r>
                           </m:num>
                           <m:den>
                             <m:r>
-                              <a:rPr lang="ko-KR" altLang="en-US" sz="1200" i="1"/>
+                              <a:rPr lang="ko-KR" altLang="en-US" sz="1200" i="1">
+                                <a:latin typeface="Cambria Math" panose="02040503050406030204" pitchFamily="18" charset="0"/>
+                              </a:rPr>
                               <m:t>𝐿</m:t>
                             </m:r>
                           </m:den>
@@ -14571,7 +14583,7 @@
             </p:txBody>
           </p:sp>
         </mc:Choice>
-        <mc:Fallback>
+        <mc:Fallback xmlns="">
           <p:sp>
             <p:nvSpPr>
               <p:cNvPr id="50" name="TextBox 49">
@@ -14633,7 +14645,7 @@
             <p:spPr>
               <a:xfrm>
                 <a:off x="649351" y="4805456"/>
-                <a:ext cx="5625038" cy="705258"/>
+                <a:ext cx="6161352" cy="705258"/>
               </a:xfrm>
               <a:prstGeom prst="rect">
                 <a:avLst/>
@@ -14899,7 +14911,7 @@
                       <a:rPr lang="en-US" altLang="ko-KR" sz="1600" b="0" i="1" smtClean="0">
                         <a:latin typeface="Cambria Math" panose="02040503050406030204" pitchFamily="18" charset="0"/>
                       </a:rPr>
-                      <m:t>-1</m:t>
+                      <m:t>−1</m:t>
                     </m:r>
                   </m:oMath>
                 </a14:m>
@@ -14926,7 +14938,7 @@
             <p:spPr>
               <a:xfrm>
                 <a:off x="649351" y="4805456"/>
-                <a:ext cx="5625038" cy="705258"/>
+                <a:ext cx="6161352" cy="705258"/>
               </a:xfrm>
               <a:prstGeom prst="rect">
                 <a:avLst/>
@@ -14934,7 +14946,7 @@
               <a:blipFill>
                 <a:blip r:embed="rId3"/>
                 <a:stretch>
-                  <a:fillRect l="-651" t="-3448" b="-862"/>
+                  <a:fillRect l="-594" t="-3448" b="-862"/>
                 </a:stretch>
               </a:blipFill>
             </p:spPr>
@@ -16697,8 +16709,8 @@
           </p:txBody>
         </p:sp>
       </p:grpSp>
-      <mc:AlternateContent xmlns:mc="http://schemas.openxmlformats.org/markup-compatibility/2006">
-        <mc:Choice xmlns:a14="http://schemas.microsoft.com/office/drawing/2010/main" Requires="a14">
+      <mc:AlternateContent xmlns:mc="http://schemas.openxmlformats.org/markup-compatibility/2006" xmlns:a14="http://schemas.microsoft.com/office/drawing/2010/main">
+        <mc:Choice Requires="a14">
           <p:sp>
             <p:nvSpPr>
               <p:cNvPr id="64" name="TextBox 63">
@@ -16925,7 +16937,7 @@
             </p:txBody>
           </p:sp>
         </mc:Choice>
-        <mc:Fallback>
+        <mc:Fallback xmlns="">
           <p:sp>
             <p:nvSpPr>
               <p:cNvPr id="64" name="TextBox 63">
